--- a/Deliveries/DD/ALGORITHMS/Zones.pptx
+++ b/Deliveries/DD/ALGORITHMS/Zones.pptx
@@ -4680,14 +4680,14 @@
           <a:lstStyle/>
           <a:p>
             <a:r>
-              <a:rPr lang="en-US"/>
+              <a:rPr lang="en-US" dirty="0"/>
               <a:t>Min(distance1,distance2,distance3,distance4</a:t>
             </a:r>
             <a:r>
-              <a:rPr lang="en-US" smtClean="0"/>
+              <a:rPr lang="en-US" dirty="0" smtClean="0"/>
               <a:t>)</a:t>
             </a:r>
-            <a:endParaRPr lang="en-US"/>
+            <a:endParaRPr lang="en-US" dirty="0"/>
           </a:p>
         </p:txBody>
       </p:sp>
